--- a/Snakemake.PE/plan.pptx
+++ b/Snakemake.PE/plan.pptx
@@ -104,6 +104,11 @@
       </a:defRPr>
     </a:lvl9pPr>
   </p:defaultTextStyle>
+  <p:extLst>
+    <p:ext uri="{EFAFB233-063F-42B5-8137-9DF3F51BA10A}">
+      <p15:sldGuideLst xmlns:p15="http://schemas.microsoft.com/office/powerpoint/2012/main"/>
+    </p:ext>
+  </p:extLst>
 </p:presentation>
 </file>
 
@@ -254,7 +259,7 @@
           <a:p>
             <a:fld id="{02BF4B64-E76D-5F40-86F5-07E822734E31}" type="datetimeFigureOut">
               <a:rPr lang="en-US" smtClean="0"/>
-              <a:t>9/14/21</a:t>
+              <a:t>9/29/21</a:t>
             </a:fld>
             <a:endParaRPr lang="en-US"/>
           </a:p>
@@ -452,7 +457,7 @@
           <a:p>
             <a:fld id="{02BF4B64-E76D-5F40-86F5-07E822734E31}" type="datetimeFigureOut">
               <a:rPr lang="en-US" smtClean="0"/>
-              <a:t>9/14/21</a:t>
+              <a:t>9/29/21</a:t>
             </a:fld>
             <a:endParaRPr lang="en-US"/>
           </a:p>
@@ -660,7 +665,7 @@
           <a:p>
             <a:fld id="{02BF4B64-E76D-5F40-86F5-07E822734E31}" type="datetimeFigureOut">
               <a:rPr lang="en-US" smtClean="0"/>
-              <a:t>9/14/21</a:t>
+              <a:t>9/29/21</a:t>
             </a:fld>
             <a:endParaRPr lang="en-US"/>
           </a:p>
@@ -858,7 +863,7 @@
           <a:p>
             <a:fld id="{02BF4B64-E76D-5F40-86F5-07E822734E31}" type="datetimeFigureOut">
               <a:rPr lang="en-US" smtClean="0"/>
-              <a:t>9/14/21</a:t>
+              <a:t>9/29/21</a:t>
             </a:fld>
             <a:endParaRPr lang="en-US"/>
           </a:p>
@@ -1133,7 +1138,7 @@
           <a:p>
             <a:fld id="{02BF4B64-E76D-5F40-86F5-07E822734E31}" type="datetimeFigureOut">
               <a:rPr lang="en-US" smtClean="0"/>
-              <a:t>9/14/21</a:t>
+              <a:t>9/29/21</a:t>
             </a:fld>
             <a:endParaRPr lang="en-US"/>
           </a:p>
@@ -1398,7 +1403,7 @@
           <a:p>
             <a:fld id="{02BF4B64-E76D-5F40-86F5-07E822734E31}" type="datetimeFigureOut">
               <a:rPr lang="en-US" smtClean="0"/>
-              <a:t>9/14/21</a:t>
+              <a:t>9/29/21</a:t>
             </a:fld>
             <a:endParaRPr lang="en-US"/>
           </a:p>
@@ -1810,7 +1815,7 @@
           <a:p>
             <a:fld id="{02BF4B64-E76D-5F40-86F5-07E822734E31}" type="datetimeFigureOut">
               <a:rPr lang="en-US" smtClean="0"/>
-              <a:t>9/14/21</a:t>
+              <a:t>9/29/21</a:t>
             </a:fld>
             <a:endParaRPr lang="en-US"/>
           </a:p>
@@ -1951,7 +1956,7 @@
           <a:p>
             <a:fld id="{02BF4B64-E76D-5F40-86F5-07E822734E31}" type="datetimeFigureOut">
               <a:rPr lang="en-US" smtClean="0"/>
-              <a:t>9/14/21</a:t>
+              <a:t>9/29/21</a:t>
             </a:fld>
             <a:endParaRPr lang="en-US"/>
           </a:p>
@@ -2064,7 +2069,7 @@
           <a:p>
             <a:fld id="{02BF4B64-E76D-5F40-86F5-07E822734E31}" type="datetimeFigureOut">
               <a:rPr lang="en-US" smtClean="0"/>
-              <a:t>9/14/21</a:t>
+              <a:t>9/29/21</a:t>
             </a:fld>
             <a:endParaRPr lang="en-US"/>
           </a:p>
@@ -2375,7 +2380,7 @@
           <a:p>
             <a:fld id="{02BF4B64-E76D-5F40-86F5-07E822734E31}" type="datetimeFigureOut">
               <a:rPr lang="en-US" smtClean="0"/>
-              <a:t>9/14/21</a:t>
+              <a:t>9/29/21</a:t>
             </a:fld>
             <a:endParaRPr lang="en-US"/>
           </a:p>
@@ -2663,7 +2668,7 @@
           <a:p>
             <a:fld id="{02BF4B64-E76D-5F40-86F5-07E822734E31}" type="datetimeFigureOut">
               <a:rPr lang="en-US" smtClean="0"/>
-              <a:t>9/14/21</a:t>
+              <a:t>9/29/21</a:t>
             </a:fld>
             <a:endParaRPr lang="en-US"/>
           </a:p>
@@ -2904,7 +2909,7 @@
           <a:p>
             <a:fld id="{02BF4B64-E76D-5F40-86F5-07E822734E31}" type="datetimeFigureOut">
               <a:rPr lang="en-US" smtClean="0"/>
-              <a:t>9/14/21</a:t>
+              <a:t>9/29/21</a:t>
             </a:fld>
             <a:endParaRPr lang="en-US"/>
           </a:p>
@@ -3594,7 +3599,7 @@
         </p:nvSpPr>
         <p:spPr>
           <a:xfrm>
-            <a:off x="794656" y="3325700"/>
+            <a:off x="794656" y="3891758"/>
             <a:ext cx="1187215" cy="265671"/>
           </a:xfrm>
           <a:prstGeom prst="rect">
@@ -3726,14 +3731,14 @@
           <p:cNvCxnSpPr>
             <a:cxnSpLocks/>
             <a:stCxn id="8" idx="2"/>
-            <a:endCxn id="10" idx="0"/>
+            <a:endCxn id="75" idx="0"/>
           </p:cNvCxnSpPr>
           <p:nvPr/>
         </p:nvCxnSpPr>
         <p:spPr>
           <a:xfrm>
             <a:off x="1388264" y="2551562"/>
-            <a:ext cx="0" cy="774138"/>
+            <a:ext cx="0" cy="758649"/>
           </a:xfrm>
           <a:prstGeom prst="straightConnector1">
             <a:avLst/>
@@ -3951,7 +3956,7 @@
         </p:nvSpPr>
         <p:spPr>
           <a:xfrm>
-            <a:off x="2340941" y="3192865"/>
+            <a:off x="2340941" y="3758923"/>
             <a:ext cx="1187215" cy="265671"/>
           </a:xfrm>
           <a:prstGeom prst="rect">
@@ -4009,7 +4014,7 @@
         </p:nvCxnSpPr>
         <p:spPr>
           <a:xfrm flipV="1">
-            <a:off x="1981871" y="3325700"/>
+            <a:off x="1981871" y="3891758"/>
             <a:ext cx="359070" cy="132836"/>
           </a:xfrm>
           <a:prstGeom prst="bentConnector3">
@@ -4050,7 +4055,7 @@
         </p:nvSpPr>
         <p:spPr>
           <a:xfrm>
-            <a:off x="2340941" y="3491745"/>
+            <a:off x="2340941" y="4057803"/>
             <a:ext cx="1187215" cy="265671"/>
           </a:xfrm>
           <a:prstGeom prst="rect">
@@ -4103,7 +4108,7 @@
         </p:nvCxnSpPr>
         <p:spPr>
           <a:xfrm>
-            <a:off x="1981871" y="3458536"/>
+            <a:off x="1981871" y="4024594"/>
             <a:ext cx="359070" cy="166045"/>
           </a:xfrm>
           <a:prstGeom prst="bentConnector3">
@@ -4144,7 +4149,7 @@
         </p:nvSpPr>
         <p:spPr>
           <a:xfrm>
-            <a:off x="2340941" y="3915157"/>
+            <a:off x="2340941" y="4481215"/>
             <a:ext cx="1187215" cy="265671"/>
           </a:xfrm>
           <a:prstGeom prst="rect">
@@ -4194,7 +4199,7 @@
         </p:nvSpPr>
         <p:spPr>
           <a:xfrm>
-            <a:off x="2340941" y="4222342"/>
+            <a:off x="2340941" y="4788400"/>
             <a:ext cx="1187215" cy="265671"/>
           </a:xfrm>
           <a:prstGeom prst="rect">
@@ -4248,7 +4253,7 @@
         </p:nvCxnSpPr>
         <p:spPr>
           <a:xfrm rot="16200000" flipH="1">
-            <a:off x="1636291" y="3343343"/>
+            <a:off x="1636291" y="3909401"/>
             <a:ext cx="456622" cy="952678"/>
           </a:xfrm>
           <a:prstGeom prst="bentConnector2">
@@ -4291,7 +4296,7 @@
         </p:nvCxnSpPr>
         <p:spPr>
           <a:xfrm rot="16200000" flipH="1">
-            <a:off x="1482699" y="3496935"/>
+            <a:off x="1482699" y="4062993"/>
             <a:ext cx="763806" cy="952678"/>
           </a:xfrm>
           <a:prstGeom prst="bentConnector2">
@@ -4330,7 +4335,7 @@
         </p:nvSpPr>
         <p:spPr>
           <a:xfrm>
-            <a:off x="3744013" y="3192865"/>
+            <a:off x="3744013" y="3758923"/>
             <a:ext cx="1187215" cy="265671"/>
           </a:xfrm>
           <a:prstGeom prst="rect">
@@ -4387,7 +4392,7 @@
         </p:nvCxnSpPr>
         <p:spPr>
           <a:xfrm>
-            <a:off x="3528156" y="3325700"/>
+            <a:off x="3528156" y="3891758"/>
             <a:ext cx="215857" cy="0"/>
           </a:xfrm>
           <a:prstGeom prst="straightConnector1">
@@ -4426,7 +4431,7 @@
         </p:nvSpPr>
         <p:spPr>
           <a:xfrm>
-            <a:off x="2340941" y="4642267"/>
+            <a:off x="2340941" y="5208325"/>
             <a:ext cx="1187215" cy="265671"/>
           </a:xfrm>
           <a:prstGeom prst="rect">
@@ -4476,7 +4481,7 @@
         </p:nvSpPr>
         <p:spPr>
           <a:xfrm>
-            <a:off x="2340941" y="4949457"/>
+            <a:off x="2340941" y="5515515"/>
             <a:ext cx="1187215" cy="265671"/>
           </a:xfrm>
           <a:prstGeom prst="rect">
@@ -4530,7 +4535,7 @@
         </p:nvCxnSpPr>
         <p:spPr>
           <a:xfrm rot="16200000" flipH="1">
-            <a:off x="1272736" y="3706898"/>
+            <a:off x="1272736" y="4272956"/>
             <a:ext cx="1183732" cy="952677"/>
           </a:xfrm>
           <a:prstGeom prst="bentConnector2">
@@ -4573,7 +4578,7 @@
         </p:nvCxnSpPr>
         <p:spPr>
           <a:xfrm rot="16200000" flipH="1">
-            <a:off x="1119141" y="3860493"/>
+            <a:off x="1119141" y="4426551"/>
             <a:ext cx="1490922" cy="952677"/>
           </a:xfrm>
           <a:prstGeom prst="bentConnector2">
@@ -4690,14 +4695,14 @@
           <p:cNvCxnSpPr>
             <a:cxnSpLocks/>
             <a:stCxn id="9" idx="2"/>
-            <a:endCxn id="10" idx="0"/>
+            <a:endCxn id="75" idx="0"/>
           </p:cNvCxnSpPr>
           <p:nvPr/>
         </p:nvCxnSpPr>
         <p:spPr>
           <a:xfrm rot="5400000">
-            <a:off x="1653522" y="2781494"/>
-            <a:ext cx="278948" cy="809464"/>
+            <a:off x="1661267" y="2773749"/>
+            <a:ext cx="263459" cy="809464"/>
           </a:xfrm>
           <a:prstGeom prst="bentConnector3">
             <a:avLst>
@@ -5002,7 +5007,7 @@
         </p:nvSpPr>
         <p:spPr>
           <a:xfrm>
-            <a:off x="6429534" y="2912044"/>
+            <a:off x="6429534" y="3750243"/>
             <a:ext cx="1187215" cy="265671"/>
           </a:xfrm>
           <a:prstGeom prst="rect">
@@ -5091,14 +5096,14 @@
           <p:cNvCxnSpPr>
             <a:cxnSpLocks/>
             <a:stCxn id="152" idx="2"/>
-            <a:endCxn id="155" idx="0"/>
+            <a:endCxn id="82" idx="0"/>
           </p:cNvCxnSpPr>
           <p:nvPr/>
         </p:nvCxnSpPr>
         <p:spPr>
-          <a:xfrm>
-            <a:off x="7023142" y="2119847"/>
-            <a:ext cx="0" cy="792197"/>
+          <a:xfrm flipH="1">
+            <a:off x="7023141" y="2119847"/>
+            <a:ext cx="1" cy="1085208"/>
           </a:xfrm>
           <a:prstGeom prst="straightConnector1">
             <a:avLst/>
@@ -5223,7 +5228,7 @@
         </p:nvSpPr>
         <p:spPr>
           <a:xfrm>
-            <a:off x="7975819" y="3410326"/>
+            <a:off x="7975819" y="4248525"/>
             <a:ext cx="1187215" cy="265671"/>
           </a:xfrm>
           <a:prstGeom prst="rect">
@@ -5273,7 +5278,7 @@
         </p:nvSpPr>
         <p:spPr>
           <a:xfrm>
-            <a:off x="7975819" y="2804261"/>
+            <a:off x="7975819" y="3642460"/>
             <a:ext cx="1187215" cy="265671"/>
           </a:xfrm>
           <a:prstGeom prst="rect">
@@ -5331,7 +5336,7 @@
         </p:nvCxnSpPr>
         <p:spPr>
           <a:xfrm flipV="1">
-            <a:off x="7616749" y="2937097"/>
+            <a:off x="7616749" y="3775296"/>
             <a:ext cx="359070" cy="107783"/>
           </a:xfrm>
           <a:prstGeom prst="bentConnector3">
@@ -5372,7 +5377,7 @@
         </p:nvSpPr>
         <p:spPr>
           <a:xfrm>
-            <a:off x="7975819" y="3103141"/>
+            <a:off x="7975819" y="3941340"/>
             <a:ext cx="1187215" cy="265671"/>
           </a:xfrm>
           <a:prstGeom prst="rect">
@@ -5425,7 +5430,7 @@
         </p:nvCxnSpPr>
         <p:spPr>
           <a:xfrm>
-            <a:off x="7616749" y="3044880"/>
+            <a:off x="7616749" y="3883079"/>
             <a:ext cx="359070" cy="191097"/>
           </a:xfrm>
           <a:prstGeom prst="bentConnector3">
@@ -5466,7 +5471,7 @@
         </p:nvSpPr>
         <p:spPr>
           <a:xfrm>
-            <a:off x="7975819" y="3995087"/>
+            <a:off x="7975819" y="4833286"/>
             <a:ext cx="1187215" cy="265671"/>
           </a:xfrm>
           <a:prstGeom prst="rect">
@@ -5516,7 +5521,7 @@
         </p:nvSpPr>
         <p:spPr>
           <a:xfrm>
-            <a:off x="7975819" y="4302272"/>
+            <a:off x="7975819" y="5140471"/>
             <a:ext cx="1187215" cy="265671"/>
           </a:xfrm>
           <a:prstGeom prst="rect">
@@ -5570,7 +5575,7 @@
         </p:nvCxnSpPr>
         <p:spPr>
           <a:xfrm rot="16200000" flipH="1">
-            <a:off x="7024376" y="3176480"/>
+            <a:off x="7024376" y="4014679"/>
             <a:ext cx="950208" cy="952677"/>
           </a:xfrm>
           <a:prstGeom prst="bentConnector2">
@@ -5613,7 +5618,7 @@
         </p:nvCxnSpPr>
         <p:spPr>
           <a:xfrm rot="16200000" flipH="1">
-            <a:off x="6870784" y="3330072"/>
+            <a:off x="6870784" y="4168271"/>
             <a:ext cx="1257393" cy="952677"/>
           </a:xfrm>
           <a:prstGeom prst="bentConnector2">
@@ -5652,7 +5657,7 @@
         </p:nvSpPr>
         <p:spPr>
           <a:xfrm>
-            <a:off x="9378891" y="2804261"/>
+            <a:off x="9378891" y="3642460"/>
             <a:ext cx="1187215" cy="265671"/>
           </a:xfrm>
           <a:prstGeom prst="rect">
@@ -5709,7 +5714,7 @@
         </p:nvCxnSpPr>
         <p:spPr>
           <a:xfrm>
-            <a:off x="9163034" y="2937096"/>
+            <a:off x="9163034" y="3775295"/>
             <a:ext cx="215857" cy="0"/>
           </a:xfrm>
           <a:prstGeom prst="straightConnector1">
@@ -5748,7 +5753,7 @@
         </p:nvSpPr>
         <p:spPr>
           <a:xfrm>
-            <a:off x="7975819" y="4747249"/>
+            <a:off x="7975819" y="5585448"/>
             <a:ext cx="1187215" cy="265671"/>
           </a:xfrm>
           <a:prstGeom prst="rect">
@@ -5798,7 +5803,7 @@
         </p:nvSpPr>
         <p:spPr>
           <a:xfrm>
-            <a:off x="7975819" y="5054439"/>
+            <a:off x="7975819" y="5892638"/>
             <a:ext cx="1187215" cy="265671"/>
           </a:xfrm>
           <a:prstGeom prst="rect">
@@ -5852,7 +5857,7 @@
         </p:nvCxnSpPr>
         <p:spPr>
           <a:xfrm rot="16200000" flipH="1">
-            <a:off x="6648295" y="3552561"/>
+            <a:off x="6648295" y="4390760"/>
             <a:ext cx="1702370" cy="952677"/>
           </a:xfrm>
           <a:prstGeom prst="bentConnector2">
@@ -5895,7 +5900,7 @@
         </p:nvCxnSpPr>
         <p:spPr>
           <a:xfrm rot="16200000" flipH="1">
-            <a:off x="6494700" y="3706156"/>
+            <a:off x="6494700" y="4544355"/>
             <a:ext cx="2009560" cy="952677"/>
           </a:xfrm>
           <a:prstGeom prst="bentConnector2">
@@ -5977,14 +5982,14 @@
           <p:cNvCxnSpPr>
             <a:cxnSpLocks/>
             <a:stCxn id="154" idx="2"/>
-            <a:endCxn id="155" idx="0"/>
+            <a:endCxn id="82" idx="0"/>
           </p:cNvCxnSpPr>
           <p:nvPr/>
         </p:nvCxnSpPr>
         <p:spPr>
           <a:xfrm rot="5400000">
-            <a:off x="7289145" y="2368582"/>
-            <a:ext cx="277459" cy="809464"/>
+            <a:off x="7142639" y="2515088"/>
+            <a:ext cx="570470" cy="809465"/>
           </a:xfrm>
           <a:prstGeom prst="bentConnector3">
             <a:avLst>
@@ -6028,7 +6033,7 @@
         </p:nvCxnSpPr>
         <p:spPr>
           <a:xfrm>
-            <a:off x="7616749" y="3044880"/>
+            <a:off x="7616749" y="3883079"/>
             <a:ext cx="359070" cy="498282"/>
           </a:xfrm>
           <a:prstGeom prst="bentConnector3">
@@ -6069,8 +6074,8 @@
         </p:nvSpPr>
         <p:spPr>
           <a:xfrm>
-            <a:off x="6429534" y="5405449"/>
-            <a:ext cx="4640373" cy="369332"/>
+            <a:off x="8327570" y="58399"/>
+            <a:ext cx="3655424" cy="307777"/>
           </a:xfrm>
           <a:prstGeom prst="rect">
             <a:avLst/>
@@ -6084,7 +6089,7 @@
           <a:lstStyle/>
           <a:p>
             <a:r>
-              <a:rPr lang="en-US" dirty="0"/>
+              <a:rPr lang="en-US" sz="1400" dirty="0"/>
               <a:t>Filtering is intrinsically handled by worker script</a:t>
             </a:r>
           </a:p>
@@ -6240,8 +6245,8 @@
         </p:nvSpPr>
         <p:spPr>
           <a:xfrm>
-            <a:off x="6429533" y="5870125"/>
-            <a:ext cx="4842479" cy="923330"/>
+            <a:off x="8327569" y="523075"/>
+            <a:ext cx="3871188" cy="738664"/>
           </a:xfrm>
           <a:prstGeom prst="rect">
             <a:avLst/>
@@ -6255,7 +6260,7 @@
           <a:lstStyle/>
           <a:p>
             <a:r>
-              <a:rPr lang="en-US" dirty="0"/>
+              <a:rPr lang="en-US" sz="1400" dirty="0"/>
               <a:t>Additional points to consider:</a:t>
             </a:r>
           </a:p>
@@ -6265,19 +6270,339 @@
               <a:buChar char="-"/>
             </a:pPr>
             <a:r>
-              <a:rPr lang="en-US" dirty="0"/>
+              <a:rPr lang="en-US" sz="1400" dirty="0"/>
               <a:t>How to handle more general analysis including</a:t>
             </a:r>
             <a:br>
-              <a:rPr lang="en-US" dirty="0"/>
+              <a:rPr lang="en-US" sz="1400" dirty="0"/>
             </a:br>
             <a:r>
-              <a:rPr lang="en-US" dirty="0"/>
+              <a:rPr lang="en-US" sz="1400" dirty="0"/>
               <a:t>TF/narrow histone marks</a:t>
             </a:r>
           </a:p>
         </p:txBody>
       </p:sp>
+      <p:sp>
+        <p:nvSpPr>
+          <p:cNvPr id="65" name="Rectangle 64">
+            <a:extLst>
+              <a:ext uri="{FF2B5EF4-FFF2-40B4-BE49-F238E27FC236}">
+                <a16:creationId xmlns:a16="http://schemas.microsoft.com/office/drawing/2014/main" id="{87660A2B-8650-6543-9D37-23DD5623943B}"/>
+              </a:ext>
+            </a:extLst>
+          </p:cNvPr>
+          <p:cNvSpPr/>
+          <p:nvPr/>
+        </p:nvSpPr>
+        <p:spPr>
+          <a:xfrm>
+            <a:off x="794656" y="6056933"/>
+            <a:ext cx="1187215" cy="265671"/>
+          </a:xfrm>
+          <a:prstGeom prst="rect">
+            <a:avLst/>
+          </a:prstGeom>
+        </p:spPr>
+        <p:style>
+          <a:lnRef idx="2">
+            <a:schemeClr val="accent1">
+              <a:shade val="50000"/>
+            </a:schemeClr>
+          </a:lnRef>
+          <a:fillRef idx="1">
+            <a:schemeClr val="accent1"/>
+          </a:fillRef>
+          <a:effectRef idx="0">
+            <a:schemeClr val="accent1"/>
+          </a:effectRef>
+          <a:fontRef idx="minor">
+            <a:schemeClr val="lt1"/>
+          </a:fontRef>
+        </p:style>
+        <p:txBody>
+          <a:bodyPr rtlCol="0" anchor="ctr"/>
+          <a:lstStyle/>
+          <a:p>
+            <a:pPr algn="ctr"/>
+            <a:r>
+              <a:rPr lang="en-US" sz="1400" dirty="0"/>
+              <a:t>Peak/SE</a:t>
+            </a:r>
+          </a:p>
+        </p:txBody>
+      </p:sp>
+      <p:cxnSp>
+        <p:nvCxnSpPr>
+          <p:cNvPr id="66" name="Elbow Connector 65">
+            <a:extLst>
+              <a:ext uri="{FF2B5EF4-FFF2-40B4-BE49-F238E27FC236}">
+                <a16:creationId xmlns:a16="http://schemas.microsoft.com/office/drawing/2014/main" id="{9FEDDEAF-AFB3-5148-8878-8C313B41B713}"/>
+              </a:ext>
+            </a:extLst>
+          </p:cNvPr>
+          <p:cNvCxnSpPr>
+            <a:cxnSpLocks/>
+            <a:stCxn id="75" idx="1"/>
+            <a:endCxn id="65" idx="1"/>
+          </p:cNvCxnSpPr>
+          <p:nvPr/>
+        </p:nvCxnSpPr>
+        <p:spPr>
+          <a:xfrm rot="10800000" flipV="1">
+            <a:off x="794656" y="3443047"/>
+            <a:ext cx="12700" cy="2746722"/>
+          </a:xfrm>
+          <a:prstGeom prst="bentConnector3">
+            <a:avLst>
+              <a:gd name="adj1" fmla="val 1800000"/>
+            </a:avLst>
+          </a:prstGeom>
+          <a:ln w="12700">
+            <a:tailEnd type="triangle"/>
+          </a:ln>
+        </p:spPr>
+        <p:style>
+          <a:lnRef idx="1">
+            <a:schemeClr val="dk1"/>
+          </a:lnRef>
+          <a:fillRef idx="0">
+            <a:schemeClr val="dk1"/>
+          </a:fillRef>
+          <a:effectRef idx="0">
+            <a:schemeClr val="dk1"/>
+          </a:effectRef>
+          <a:fontRef idx="minor">
+            <a:schemeClr val="tx1"/>
+          </a:fontRef>
+        </p:style>
+      </p:cxnSp>
+      <p:sp>
+        <p:nvSpPr>
+          <p:cNvPr id="75" name="Rectangle 74">
+            <a:extLst>
+              <a:ext uri="{FF2B5EF4-FFF2-40B4-BE49-F238E27FC236}">
+                <a16:creationId xmlns:a16="http://schemas.microsoft.com/office/drawing/2014/main" id="{667B4059-6680-D24C-8D12-AF6D87DD0E13}"/>
+              </a:ext>
+            </a:extLst>
+          </p:cNvPr>
+          <p:cNvSpPr/>
+          <p:nvPr/>
+        </p:nvSpPr>
+        <p:spPr>
+          <a:xfrm>
+            <a:off x="794656" y="3310211"/>
+            <a:ext cx="1187215" cy="265671"/>
+          </a:xfrm>
+          <a:prstGeom prst="rect">
+            <a:avLst/>
+          </a:prstGeom>
+        </p:spPr>
+        <p:style>
+          <a:lnRef idx="2">
+            <a:schemeClr val="accent1">
+              <a:shade val="50000"/>
+            </a:schemeClr>
+          </a:lnRef>
+          <a:fillRef idx="1">
+            <a:schemeClr val="accent1"/>
+          </a:fillRef>
+          <a:effectRef idx="0">
+            <a:schemeClr val="accent1"/>
+          </a:effectRef>
+          <a:fontRef idx="minor">
+            <a:schemeClr val="lt1"/>
+          </a:fontRef>
+        </p:style>
+        <p:txBody>
+          <a:bodyPr rtlCol="0" anchor="ctr"/>
+          <a:lstStyle/>
+          <a:p>
+            <a:pPr algn="ctr"/>
+            <a:r>
+              <a:rPr lang="en-US" sz="1400" dirty="0"/>
+              <a:t>BAM</a:t>
+            </a:r>
+          </a:p>
+        </p:txBody>
+      </p:sp>
+      <p:cxnSp>
+        <p:nvCxnSpPr>
+          <p:cNvPr id="78" name="Straight Arrow Connector 77">
+            <a:extLst>
+              <a:ext uri="{FF2B5EF4-FFF2-40B4-BE49-F238E27FC236}">
+                <a16:creationId xmlns:a16="http://schemas.microsoft.com/office/drawing/2014/main" id="{B89EB239-B80D-9C45-B32F-A5BFEBC2C305}"/>
+              </a:ext>
+            </a:extLst>
+          </p:cNvPr>
+          <p:cNvCxnSpPr>
+            <a:cxnSpLocks/>
+            <a:stCxn id="75" idx="2"/>
+            <a:endCxn id="10" idx="0"/>
+          </p:cNvCxnSpPr>
+          <p:nvPr/>
+        </p:nvCxnSpPr>
+        <p:spPr>
+          <a:xfrm>
+            <a:off x="1388264" y="3575882"/>
+            <a:ext cx="0" cy="315876"/>
+          </a:xfrm>
+          <a:prstGeom prst="straightConnector1">
+            <a:avLst/>
+          </a:prstGeom>
+          <a:ln w="12700">
+            <a:tailEnd type="triangle"/>
+          </a:ln>
+        </p:spPr>
+        <p:style>
+          <a:lnRef idx="1">
+            <a:schemeClr val="dk1"/>
+          </a:lnRef>
+          <a:fillRef idx="0">
+            <a:schemeClr val="dk1"/>
+          </a:fillRef>
+          <a:effectRef idx="0">
+            <a:schemeClr val="dk1"/>
+          </a:effectRef>
+          <a:fontRef idx="minor">
+            <a:schemeClr val="tx1"/>
+          </a:fontRef>
+        </p:style>
+      </p:cxnSp>
+      <p:sp>
+        <p:nvSpPr>
+          <p:cNvPr id="82" name="Rectangle 81">
+            <a:extLst>
+              <a:ext uri="{FF2B5EF4-FFF2-40B4-BE49-F238E27FC236}">
+                <a16:creationId xmlns:a16="http://schemas.microsoft.com/office/drawing/2014/main" id="{43469433-64AC-BA42-A16F-30BC5EE7FC67}"/>
+              </a:ext>
+            </a:extLst>
+          </p:cNvPr>
+          <p:cNvSpPr/>
+          <p:nvPr/>
+        </p:nvSpPr>
+        <p:spPr>
+          <a:xfrm>
+            <a:off x="6429533" y="3205055"/>
+            <a:ext cx="1187215" cy="265671"/>
+          </a:xfrm>
+          <a:prstGeom prst="rect">
+            <a:avLst/>
+          </a:prstGeom>
+        </p:spPr>
+        <p:style>
+          <a:lnRef idx="2">
+            <a:schemeClr val="accent1">
+              <a:shade val="50000"/>
+            </a:schemeClr>
+          </a:lnRef>
+          <a:fillRef idx="1">
+            <a:schemeClr val="accent1"/>
+          </a:fillRef>
+          <a:effectRef idx="0">
+            <a:schemeClr val="accent1"/>
+          </a:effectRef>
+          <a:fontRef idx="minor">
+            <a:schemeClr val="lt1"/>
+          </a:fontRef>
+        </p:style>
+        <p:txBody>
+          <a:bodyPr rtlCol="0" anchor="ctr"/>
+          <a:lstStyle/>
+          <a:p>
+            <a:pPr algn="ctr"/>
+            <a:r>
+              <a:rPr lang="en-US" sz="1400" dirty="0"/>
+              <a:t>BAM</a:t>
+            </a:r>
+          </a:p>
+        </p:txBody>
+      </p:sp>
+      <p:cxnSp>
+        <p:nvCxnSpPr>
+          <p:cNvPr id="87" name="Straight Arrow Connector 86">
+            <a:extLst>
+              <a:ext uri="{FF2B5EF4-FFF2-40B4-BE49-F238E27FC236}">
+                <a16:creationId xmlns:a16="http://schemas.microsoft.com/office/drawing/2014/main" id="{24AFEAC8-E675-144D-897E-4A07F523BA39}"/>
+              </a:ext>
+            </a:extLst>
+          </p:cNvPr>
+          <p:cNvCxnSpPr>
+            <a:cxnSpLocks/>
+            <a:stCxn id="82" idx="2"/>
+            <a:endCxn id="155" idx="0"/>
+          </p:cNvCxnSpPr>
+          <p:nvPr/>
+        </p:nvCxnSpPr>
+        <p:spPr>
+          <a:xfrm>
+            <a:off x="7023141" y="3470726"/>
+            <a:ext cx="1" cy="279517"/>
+          </a:xfrm>
+          <a:prstGeom prst="straightConnector1">
+            <a:avLst/>
+          </a:prstGeom>
+          <a:ln w="12700">
+            <a:tailEnd type="triangle"/>
+          </a:ln>
+        </p:spPr>
+        <p:style>
+          <a:lnRef idx="1">
+            <a:schemeClr val="dk1"/>
+          </a:lnRef>
+          <a:fillRef idx="0">
+            <a:schemeClr val="dk1"/>
+          </a:fillRef>
+          <a:effectRef idx="0">
+            <a:schemeClr val="dk1"/>
+          </a:effectRef>
+          <a:fontRef idx="minor">
+            <a:schemeClr val="tx1"/>
+          </a:fontRef>
+        </p:style>
+      </p:cxnSp>
+      <p:cxnSp>
+        <p:nvCxnSpPr>
+          <p:cNvPr id="32" name="Straight Connector 31">
+            <a:extLst>
+              <a:ext uri="{FF2B5EF4-FFF2-40B4-BE49-F238E27FC236}">
+                <a16:creationId xmlns:a16="http://schemas.microsoft.com/office/drawing/2014/main" id="{C85FDEC8-BCA8-F64D-9046-D82ACA252781}"/>
+              </a:ext>
+            </a:extLst>
+          </p:cNvPr>
+          <p:cNvCxnSpPr/>
+          <p:nvPr/>
+        </p:nvCxnSpPr>
+        <p:spPr>
+          <a:xfrm>
+            <a:off x="5998029" y="3072223"/>
+            <a:ext cx="4974771" cy="0"/>
+          </a:xfrm>
+          <a:prstGeom prst="line">
+            <a:avLst/>
+          </a:prstGeom>
+          <a:ln w="28575">
+            <a:solidFill>
+              <a:srgbClr val="C00000"/>
+            </a:solidFill>
+            <a:prstDash val="dash"/>
+          </a:ln>
+        </p:spPr>
+        <p:style>
+          <a:lnRef idx="1">
+            <a:schemeClr val="accent2"/>
+          </a:lnRef>
+          <a:fillRef idx="0">
+            <a:schemeClr val="accent2"/>
+          </a:fillRef>
+          <a:effectRef idx="0">
+            <a:schemeClr val="accent2"/>
+          </a:effectRef>
+          <a:fontRef idx="minor">
+            <a:schemeClr val="tx1"/>
+          </a:fontRef>
+        </p:style>
+      </p:cxnSp>
     </p:spTree>
     <p:extLst>
       <p:ext uri="{BB962C8B-B14F-4D97-AF65-F5344CB8AC3E}">
